--- a/.Net Core - Kubernetes.pptx
+++ b/.Net Core - Kubernetes.pptx
@@ -9075,7 +9075,7 @@
           <a:p>
             <a:r>
               <a:rPr lang="en-US" dirty="0"/>
-              <a:t>Port 3100</a:t>
+              <a:t>Port 31000</a:t>
             </a:r>
             <a:endParaRPr lang="fr-FR" dirty="0"/>
           </a:p>
@@ -9335,8 +9335,8 @@
         </p:nvSpPr>
         <p:spPr>
           <a:xfrm>
-            <a:off x="2801064" y="1925397"/>
-            <a:ext cx="8957653" cy="4195558"/>
+            <a:off x="4512855" y="1925397"/>
+            <a:ext cx="7245862" cy="4195558"/>
           </a:xfrm>
           <a:prstGeom prst="rect">
             <a:avLst/>
@@ -10871,7 +10871,7 @@
         </p:nvSpPr>
         <p:spPr>
           <a:xfrm>
-            <a:off x="4288915" y="3961621"/>
+            <a:off x="4086043" y="4425840"/>
             <a:ext cx="644943" cy="369332"/>
           </a:xfrm>
           <a:prstGeom prst="rect">
@@ -11779,8 +11779,8 @@
         </p:nvSpPr>
         <p:spPr>
           <a:xfrm>
-            <a:off x="2801064" y="1925397"/>
-            <a:ext cx="8957653" cy="4195558"/>
+            <a:off x="4512855" y="1925397"/>
+            <a:ext cx="7245862" cy="4195558"/>
           </a:xfrm>
           <a:prstGeom prst="rect">
             <a:avLst/>
@@ -13315,7 +13315,7 @@
         </p:nvSpPr>
         <p:spPr>
           <a:xfrm>
-            <a:off x="4288915" y="3961621"/>
+            <a:off x="4119100" y="4367539"/>
             <a:ext cx="644943" cy="369332"/>
           </a:xfrm>
           <a:prstGeom prst="rect">
